--- a/RASD/Slides RASD laboratory.pptx
+++ b/RASD/Slides RASD laboratory.pptx
@@ -113,6 +113,11 @@
       </a:defRPr>
     </a:lvl9pPr>
   </p:defaultTextStyle>
+  <p:extLst>
+    <p:ext uri="{EFAFB233-063F-42B5-8137-9DF3F51BA10A}">
+      <p15:sldGuideLst xmlns:p15="http://schemas.microsoft.com/office/powerpoint/2012/main"/>
+    </p:ext>
+  </p:extLst>
 </p:presentation>
 </file>
 
@@ -259,7 +264,7 @@
           <a:p>
             <a:fld id="{A423BF71-38B7-8642-BFCE-EDAE9BD0CBAF}" type="datetimeFigureOut">
               <a:rPr lang="en-US" dirty="0"/>
-              <a:t>11/6/2017</a:t>
+              <a:t>11/7/2017</a:t>
             </a:fld>
             <a:endParaRPr lang="en-US" dirty="0"/>
           </a:p>
@@ -311,7 +316,7 @@
           <a:p>
             <a:fld id="{6D22F896-40B5-4ADD-8801-0D06FADFA095}" type="slidenum">
               <a:rPr lang="en-US" dirty="0"/>
-              <a:t>‹N›</a:t>
+              <a:t>‹#›</a:t>
             </a:fld>
             <a:endParaRPr lang="en-US" dirty="0"/>
           </a:p>
@@ -471,7 +476,7 @@
           <a:p>
             <a:fld id="{73B025CB-9D18-264E-A945-2D020344C9DA}" type="datetimeFigureOut">
               <a:rPr lang="en-US" dirty="0"/>
-              <a:t>11/6/2017</a:t>
+              <a:t>11/7/2017</a:t>
             </a:fld>
             <a:endParaRPr lang="en-US" dirty="0"/>
           </a:p>
@@ -513,7 +518,7 @@
           <a:p>
             <a:fld id="{6D22F896-40B5-4ADD-8801-0D06FADFA095}" type="slidenum">
               <a:rPr lang="en-US" dirty="0"/>
-              <a:t>‹N›</a:t>
+              <a:t>‹#›</a:t>
             </a:fld>
             <a:endParaRPr lang="en-US" dirty="0"/>
           </a:p>
@@ -687,7 +692,7 @@
           <a:p>
             <a:fld id="{507EFB6C-7E96-8F41-8872-189CA1C59F84}" type="datetimeFigureOut">
               <a:rPr lang="en-US" dirty="0"/>
-              <a:t>11/6/2017</a:t>
+              <a:t>11/7/2017</a:t>
             </a:fld>
             <a:endParaRPr lang="en-US" dirty="0"/>
           </a:p>
@@ -729,7 +734,7 @@
           <a:p>
             <a:fld id="{6D22F896-40B5-4ADD-8801-0D06FADFA095}" type="slidenum">
               <a:rPr lang="en-US" dirty="0"/>
-              <a:t>‹N›</a:t>
+              <a:t>‹#›</a:t>
             </a:fld>
             <a:endParaRPr lang="en-US" dirty="0"/>
           </a:p>
@@ -889,7 +894,7 @@
           <a:p>
             <a:fld id="{B6981CDE-9BE7-C544-8ACB-7077DFC4270F}" type="datetimeFigureOut">
               <a:rPr lang="en-US" dirty="0"/>
-              <a:t>11/6/2017</a:t>
+              <a:t>11/7/2017</a:t>
             </a:fld>
             <a:endParaRPr lang="en-US" dirty="0"/>
           </a:p>
@@ -931,7 +936,7 @@
           <a:p>
             <a:fld id="{6D22F896-40B5-4ADD-8801-0D06FADFA095}" type="slidenum">
               <a:rPr lang="en-US" dirty="0"/>
-              <a:t>‹N›</a:t>
+              <a:t>‹#›</a:t>
             </a:fld>
             <a:endParaRPr lang="en-US" dirty="0"/>
           </a:p>
@@ -1169,7 +1174,7 @@
           <a:p>
             <a:fld id="{B55BA285-9698-1B45-8319-D90A8C63F150}" type="datetimeFigureOut">
               <a:rPr lang="en-US" dirty="0"/>
-              <a:t>11/6/2017</a:t>
+              <a:t>11/7/2017</a:t>
             </a:fld>
             <a:endParaRPr lang="en-US" dirty="0"/>
           </a:p>
@@ -1211,7 +1216,7 @@
           <a:p>
             <a:fld id="{6D22F896-40B5-4ADD-8801-0D06FADFA095}" type="slidenum">
               <a:rPr lang="en-US" dirty="0"/>
-              <a:t>‹N›</a:t>
+              <a:t>‹#›</a:t>
             </a:fld>
             <a:endParaRPr lang="en-US" dirty="0"/>
           </a:p>
@@ -1438,7 +1443,7 @@
           <a:p>
             <a:fld id="{0A86CD42-43FF-B740-998F-DCC3802C4CE3}" type="datetimeFigureOut">
               <a:rPr lang="en-US" dirty="0"/>
-              <a:t>11/6/2017</a:t>
+              <a:t>11/7/2017</a:t>
             </a:fld>
             <a:endParaRPr lang="en-US" dirty="0"/>
           </a:p>
@@ -1480,7 +1485,7 @@
           <a:p>
             <a:fld id="{6D22F896-40B5-4ADD-8801-0D06FADFA095}" type="slidenum">
               <a:rPr lang="en-US" dirty="0"/>
-              <a:t>‹N›</a:t>
+              <a:t>‹#›</a:t>
             </a:fld>
             <a:endParaRPr lang="en-US" dirty="0"/>
           </a:p>
@@ -1855,7 +1860,7 @@
           <a:p>
             <a:fld id="{CEA0FFBD-2EE4-8547-BBAE-A1AC91C8D77E}" type="datetimeFigureOut">
               <a:rPr lang="en-US" dirty="0"/>
-              <a:t>11/6/2017</a:t>
+              <a:t>11/7/2017</a:t>
             </a:fld>
             <a:endParaRPr lang="en-US" dirty="0"/>
           </a:p>
@@ -1897,7 +1902,7 @@
           <a:p>
             <a:fld id="{6D22F896-40B5-4ADD-8801-0D06FADFA095}" type="slidenum">
               <a:rPr lang="en-US" dirty="0"/>
-              <a:t>‹N›</a:t>
+              <a:t>‹#›</a:t>
             </a:fld>
             <a:endParaRPr lang="en-US" dirty="0"/>
           </a:p>
@@ -2005,7 +2010,7 @@
           <a:p>
             <a:fld id="{955A2352-D7AC-F242-9256-A4477BCBF354}" type="datetimeFigureOut">
               <a:rPr lang="en-US" dirty="0"/>
-              <a:t>11/6/2017</a:t>
+              <a:t>11/7/2017</a:t>
             </a:fld>
             <a:endParaRPr lang="en-US" dirty="0"/>
           </a:p>
@@ -2047,7 +2052,7 @@
           <a:p>
             <a:fld id="{6D22F896-40B5-4ADD-8801-0D06FADFA095}" type="slidenum">
               <a:rPr lang="en-US" dirty="0"/>
-              <a:t>‹N›</a:t>
+              <a:t>‹#›</a:t>
             </a:fld>
             <a:endParaRPr lang="en-US" dirty="0"/>
           </a:p>
@@ -2132,7 +2137,7 @@
           <a:p>
             <a:fld id="{4EFCFC6A-9AE6-404D-9FDD-168B477B9C90}" type="datetimeFigureOut">
               <a:rPr lang="en-US" dirty="0"/>
-              <a:t>11/6/2017</a:t>
+              <a:t>11/7/2017</a:t>
             </a:fld>
             <a:endParaRPr lang="en-US" dirty="0"/>
           </a:p>
@@ -2174,7 +2179,7 @@
           <a:p>
             <a:fld id="{6D22F896-40B5-4ADD-8801-0D06FADFA095}" type="slidenum">
               <a:rPr lang="en-US" dirty="0"/>
-              <a:t>‹N›</a:t>
+              <a:t>‹#›</a:t>
             </a:fld>
             <a:endParaRPr lang="en-US" dirty="0"/>
           </a:p>
@@ -2378,7 +2383,7 @@
           <a:p>
             <a:fld id="{61CFCDFD-B4CF-A241-8D71-E814B10BEAF4}" type="datetimeFigureOut">
               <a:rPr lang="en-US" dirty="0"/>
-              <a:t>11/6/2017</a:t>
+              <a:t>11/7/2017</a:t>
             </a:fld>
             <a:endParaRPr lang="en-US" dirty="0"/>
           </a:p>
@@ -2420,7 +2425,7 @@
           <a:p>
             <a:fld id="{6D22F896-40B5-4ADD-8801-0D06FADFA095}" type="slidenum">
               <a:rPr lang="en-US" dirty="0"/>
-              <a:t>‹N›</a:t>
+              <a:t>‹#›</a:t>
             </a:fld>
             <a:endParaRPr lang="en-US" dirty="0"/>
           </a:p>
@@ -2828,7 +2833,7 @@
           <a:p>
             <a:fld id="{26A7B589-FD4B-7E46-869A-CBADC5FC564E}" type="datetimeFigureOut">
               <a:rPr lang="en-US" dirty="0"/>
-              <a:t>11/6/2017</a:t>
+              <a:t>11/7/2017</a:t>
             </a:fld>
             <a:endParaRPr lang="en-US" dirty="0"/>
           </a:p>
@@ -2875,7 +2880,7 @@
           <a:p>
             <a:fld id="{6D22F896-40B5-4ADD-8801-0D06FADFA095}" type="slidenum">
               <a:rPr lang="en-US" dirty="0"/>
-              <a:t>‹N›</a:t>
+              <a:t>‹#›</a:t>
             </a:fld>
             <a:endParaRPr lang="en-US" dirty="0"/>
           </a:p>
@@ -3149,7 +3154,7 @@
           <a:p>
             <a:fld id="{4CD8A92E-5FF9-8143-81B3-CCB531513398}" type="datetimeFigureOut">
               <a:rPr lang="en-US" dirty="0"/>
-              <a:t>11/6/2017</a:t>
+              <a:t>11/7/2017</a:t>
             </a:fld>
             <a:endParaRPr lang="en-US" dirty="0"/>
           </a:p>
@@ -3226,7 +3231,7 @@
             <a:fld id="{6D22F896-40B5-4ADD-8801-0D06FADFA095}" type="slidenum">
               <a:rPr lang="en-US" dirty="0"/>
               <a:pPr/>
-              <a:t>‹N›</a:t>
+              <a:t>‹#›</a:t>
             </a:fld>
             <a:endParaRPr lang="en-US" dirty="0"/>
           </a:p>
@@ -3656,13 +3661,8 @@
             <a:pPr algn="ctr"/>
             <a:r>
               <a:rPr lang="it-IT" dirty="0"/>
-              <a:t>RASD </a:t>
-            </a:r>
-            <a:r>
-              <a:rPr lang="it-IT" dirty="0" err="1"/>
-              <a:t>Discussion</a:t>
-            </a:r>
-            <a:endParaRPr lang="it-IT" dirty="0"/>
+              <a:t>RASD Discussion</a:t>
+            </a:r>
           </a:p>
         </p:txBody>
       </p:sp>
@@ -3690,15 +3690,7 @@
             <a:pPr algn="ctr"/>
             <a:r>
               <a:rPr lang="it-IT" dirty="0"/>
-              <a:t>Pietro </a:t>
-            </a:r>
-            <a:r>
-              <a:rPr lang="it-IT" dirty="0" err="1"/>
-              <a:t>Melzi</a:t>
-            </a:r>
-            <a:r>
-              <a:rPr lang="it-IT" dirty="0"/>
-              <a:t>, Alessandro Pina, Matteo Salvadore</a:t>
+              <a:t>Pietro MeLzi, Alessandro Pina, Matteo Salvadore</a:t>
             </a:r>
           </a:p>
         </p:txBody>
@@ -3755,12 +3747,8 @@
           <a:lstStyle/>
           <a:p>
             <a:r>
-              <a:rPr lang="it-IT" dirty="0" err="1"/>
-              <a:t>Alloy</a:t>
-            </a:r>
-            <a:r>
               <a:rPr lang="it-IT" dirty="0"/>
-              <a:t> model</a:t>
+              <a:t>Alloy model</a:t>
             </a:r>
           </a:p>
         </p:txBody>
@@ -3930,13 +3918,21 @@
             </a:pPr>
             <a:r>
               <a:rPr lang="en-US" dirty="0"/>
-              <a:t>A visitor should be able to:</a:t>
-            </a:r>
-          </a:p>
-          <a:p>
-            <a:r>
-              <a:rPr lang="en-US" dirty="0"/>
-              <a:t>[G1 ] sign up into the system;</a:t>
+              <a:t>A </a:t>
+            </a:r>
+            <a:r>
+              <a:rPr lang="en-US" b="1" dirty="0"/>
+              <a:t>visitor</a:t>
+            </a:r>
+            <a:r>
+              <a:rPr lang="en-US" dirty="0"/>
+              <a:t> should be able to:</a:t>
+            </a:r>
+          </a:p>
+          <a:p>
+            <a:r>
+              <a:rPr lang="en-US" dirty="0"/>
+              <a:t>[G1 ] sign up into the system.</a:t>
             </a:r>
           </a:p>
           <a:p>
@@ -3945,7 +3941,15 @@
             </a:pPr>
             <a:r>
               <a:rPr lang="en-US" dirty="0"/>
-              <a:t>A user should be able to:</a:t>
+              <a:t>A </a:t>
+            </a:r>
+            <a:r>
+              <a:rPr lang="en-US" b="1" dirty="0"/>
+              <a:t>user</a:t>
+            </a:r>
+            <a:r>
+              <a:rPr lang="en-US" dirty="0"/>
+              <a:t> should be able to:</a:t>
             </a:r>
           </a:p>
           <a:p>
@@ -4043,69 +4047,21 @@
           <a:p>
             <a:r>
               <a:rPr lang="it-IT" dirty="0"/>
-              <a:t>[G11 ] </a:t>
-            </a:r>
-            <a:r>
-              <a:rPr lang="it-IT" dirty="0" err="1"/>
-              <a:t>arrange</a:t>
-            </a:r>
+              <a:t>[G11 ] arrange trips;</a:t>
+            </a:r>
+          </a:p>
+          <a:p>
+            <a:pPr lvl="1"/>
             <a:r>
               <a:rPr lang="it-IT" dirty="0"/>
-              <a:t> </a:t>
-            </a:r>
-            <a:r>
-              <a:rPr lang="it-IT" dirty="0" err="1"/>
-              <a:t>trips</a:t>
-            </a:r>
-            <a:r>
-              <a:rPr lang="it-IT" dirty="0"/>
-              <a:t>;</a:t>
+              <a:t>[G11.1 ] buy needed tickets;</a:t>
             </a:r>
           </a:p>
           <a:p>
             <a:pPr lvl="1"/>
             <a:r>
-              <a:rPr lang="it-IT" dirty="0"/>
-              <a:t>[G11.1 ] </a:t>
-            </a:r>
-            <a:r>
-              <a:rPr lang="it-IT" dirty="0" err="1"/>
-              <a:t>buy</a:t>
-            </a:r>
-            <a:r>
-              <a:rPr lang="it-IT" dirty="0"/>
-              <a:t> </a:t>
-            </a:r>
-            <a:r>
-              <a:rPr lang="it-IT" dirty="0" err="1"/>
-              <a:t>needed</a:t>
-            </a:r>
-            <a:r>
-              <a:rPr lang="it-IT" dirty="0"/>
-              <a:t> </a:t>
-            </a:r>
-            <a:r>
-              <a:rPr lang="it-IT" dirty="0" err="1"/>
-              <a:t>tickets</a:t>
-            </a:r>
-            <a:r>
-              <a:rPr lang="it-IT" dirty="0"/>
-              <a:t>;</a:t>
-            </a:r>
-          </a:p>
-          <a:p>
-            <a:pPr lvl="1"/>
-            <a:r>
-              <a:rPr lang="en-US" dirty="0"/>
-              <a:t>[G11.2 ] </a:t>
-            </a:r>
-            <a:r>
-              <a:rPr lang="en-US" dirty="0" err="1"/>
-              <a:t>nd</a:t>
-            </a:r>
-            <a:r>
-              <a:rPr lang="en-US" dirty="0"/>
-              <a:t> available sharing vehicles.</a:t>
+              <a:rPr lang="en-US" dirty="0"/>
+              <a:t>[G11.2 ] find available sharing vehicles.</a:t>
             </a:r>
             <a:endParaRPr lang="it-IT" dirty="0"/>
           </a:p>
@@ -4167,13 +4123,8 @@
           <a:p>
             <a:r>
               <a:rPr lang="it-IT" dirty="0"/>
-              <a:t>System </a:t>
-            </a:r>
-            <a:r>
-              <a:rPr lang="it-IT" dirty="0" err="1"/>
-              <a:t>Boundaries</a:t>
-            </a:r>
-            <a:endParaRPr lang="it-IT" dirty="0"/>
+              <a:t>System Boundaries</a:t>
+            </a:r>
           </a:p>
         </p:txBody>
       </p:sp>
@@ -4204,12 +4155,16 @@
               <a:buNone/>
             </a:pPr>
             <a:r>
-              <a:rPr lang="en-US" dirty="0"/>
-              <a:t>Allowed travel means are cars, trains, metro, on foot, trams, bicycles, taxis, car sharing, </a:t>
+              <a:rPr lang="en-US" b="1" dirty="0"/>
+              <a:t>Allowed travel means </a:t>
+            </a:r>
+            <a:r>
+              <a:rPr lang="en-US" dirty="0"/>
+              <a:t>are cars, trains, metro, on foot, trams, bicycles, taxis, car sharing, </a:t>
             </a:r>
             <a:r>
               <a:rPr lang="it-IT" dirty="0"/>
-              <a:t>bike sharing;</a:t>
+              <a:t>bike sharing.</a:t>
             </a:r>
             <a:endParaRPr lang="en-US" dirty="0"/>
           </a:p>
@@ -4219,7 +4174,15 @@
             </a:pPr>
             <a:r>
               <a:rPr lang="en-US" dirty="0"/>
-              <a:t>The mobile app is supported on:</a:t>
+              <a:t>The </a:t>
+            </a:r>
+            <a:r>
+              <a:rPr lang="en-US" b="1" dirty="0"/>
+              <a:t>mobile app </a:t>
+            </a:r>
+            <a:r>
+              <a:rPr lang="en-US" dirty="0"/>
+              <a:t>is supported on:</a:t>
             </a:r>
           </a:p>
           <a:p>
@@ -4239,45 +4202,37 @@
           <a:p>
             <a:r>
               <a:rPr lang="it-IT" dirty="0"/>
-              <a:t> iOS 8 and </a:t>
-            </a:r>
-            <a:r>
-              <a:rPr lang="it-IT" dirty="0" err="1"/>
-              <a:t>superior</a:t>
+              <a:t> iOS 8 and superior.</a:t>
+            </a:r>
+          </a:p>
+          <a:p>
+            <a:pPr marL="0" indent="0">
+              <a:buNone/>
+            </a:pPr>
+            <a:r>
+              <a:rPr lang="en-US" dirty="0"/>
+              <a:t>To utilize the mobile app, the phone must be able to connect to the Internet and have a working GPS sensor to identify its position.</a:t>
+            </a:r>
+          </a:p>
+          <a:p>
+            <a:pPr marL="0" indent="0">
+              <a:buNone/>
+            </a:pPr>
+            <a:r>
+              <a:rPr lang="en-US" dirty="0"/>
+              <a:t>The </a:t>
+            </a:r>
+            <a:r>
+              <a:rPr lang="en-US" b="1" dirty="0"/>
+              <a:t>web app </a:t>
+            </a:r>
+            <a:r>
+              <a:rPr lang="en-US" dirty="0"/>
+              <a:t>is supported on these browsers: </a:t>
             </a:r>
             <a:r>
               <a:rPr lang="it-IT" dirty="0"/>
-              <a:t>;</a:t>
-            </a:r>
-          </a:p>
-          <a:p>
-            <a:pPr marL="0" indent="0">
-              <a:buNone/>
-            </a:pPr>
-            <a:r>
-              <a:rPr lang="en-US" dirty="0"/>
-              <a:t>To utilize the mobile app, the phone must be able to connect to the Internet and have a working GPS sensor to identify its position.</a:t>
-            </a:r>
-          </a:p>
-          <a:p>
-            <a:pPr marL="0" indent="0">
-              <a:buNone/>
-            </a:pPr>
-            <a:r>
-              <a:rPr lang="en-US" dirty="0"/>
-              <a:t>The web app is supported on these browsers: </a:t>
-            </a:r>
-            <a:r>
-              <a:rPr lang="it-IT" dirty="0"/>
-              <a:t>Google Chrome, </a:t>
-            </a:r>
-            <a:r>
-              <a:rPr lang="it-IT" dirty="0" err="1"/>
-              <a:t>Mozilla</a:t>
-            </a:r>
-            <a:r>
-              <a:rPr lang="it-IT" dirty="0"/>
-              <a:t> Firefox, Microsoft Edge, Safari. </a:t>
+              <a:t>Google Chrome, Mozilla Firefox, Microsoft Edge, Safari. </a:t>
             </a:r>
             <a:br>
               <a:rPr lang="it-IT" dirty="0"/>
@@ -4345,18 +4300,9 @@
           <a:lstStyle/>
           <a:p>
             <a:r>
-              <a:rPr lang="it-IT" dirty="0" err="1"/>
-              <a:t>Meaningful</a:t>
-            </a:r>
-            <a:r>
               <a:rPr lang="it-IT" dirty="0"/>
-              <a:t> use </a:t>
-            </a:r>
-            <a:r>
-              <a:rPr lang="it-IT" dirty="0" err="1"/>
-              <a:t>cases</a:t>
-            </a:r>
-            <a:endParaRPr lang="it-IT" dirty="0"/>
+              <a:t>Meaningful use cases</a:t>
+            </a:r>
           </a:p>
         </p:txBody>
       </p:sp>
@@ -4489,13 +4435,8 @@
             </a:br>
             <a:r>
               <a:rPr lang="it-IT" sz="2800" dirty="0"/>
-              <a:t>Create </a:t>
-            </a:r>
-            <a:r>
-              <a:rPr lang="it-IT" sz="2800" dirty="0" err="1"/>
-              <a:t>event</a:t>
-            </a:r>
-            <a:endParaRPr lang="it-IT" sz="2800" dirty="0"/>
+              <a:t>Create event</a:t>
+            </a:r>
           </a:p>
         </p:txBody>
       </p:sp>
@@ -4824,26 +4765,9 @@
           <a:lstStyle/>
           <a:p>
             <a:r>
-              <a:rPr lang="it-IT" dirty="0" err="1"/>
-              <a:t>Most</a:t>
-            </a:r>
-            <a:r>
               <a:rPr lang="it-IT" dirty="0"/>
-              <a:t> </a:t>
-            </a:r>
-            <a:r>
-              <a:rPr lang="it-IT" dirty="0" err="1"/>
-              <a:t>important</a:t>
-            </a:r>
-            <a:r>
-              <a:rPr lang="it-IT" dirty="0"/>
-              <a:t> </a:t>
-            </a:r>
-            <a:r>
-              <a:rPr lang="it-IT" dirty="0" err="1"/>
-              <a:t>assumptions</a:t>
-            </a:r>
-            <a:endParaRPr lang="it-IT" dirty="0"/>
+              <a:t>Most important assumptions</a:t>
+            </a:r>
           </a:p>
         </p:txBody>
       </p:sp>
